--- a/Documentos_Tutoriais/slides_tema.pptx
+++ b/Documentos_Tutoriais/slides_tema.pptx
@@ -28,6 +28,7 @@
     <p:sldId id="273" r:id="rId23"/>
     <p:sldId id="274" r:id="rId24"/>
     <p:sldId id="275" r:id="rId25"/>
+    <p:sldId id="276" r:id="rId26"/>
   </p:sldIdLst>
   <p:sldSz cx="9144000" cy="6858000"/>
   <p:notesSz cx="7559675" cy="10691812"/>
@@ -5395,7 +5396,7 @@
         <p:spPr>
           <a:xfrm>
             <a:off x="5938200" y="3377520"/>
-            <a:ext cx="720720" cy="101880"/>
+            <a:ext cx="720360" cy="101520"/>
           </a:xfrm>
           <a:prstGeom prst="rect">
             <a:avLst/>
@@ -5423,7 +5424,7 @@
         <p:spPr>
           <a:xfrm>
             <a:off x="6660000" y="3377520"/>
-            <a:ext cx="720720" cy="101880"/>
+            <a:ext cx="720360" cy="101520"/>
           </a:xfrm>
           <a:prstGeom prst="rect">
             <a:avLst/>
@@ -5451,7 +5452,7 @@
         <p:spPr>
           <a:xfrm>
             <a:off x="0" y="3377520"/>
-            <a:ext cx="720720" cy="101880"/>
+            <a:ext cx="720360" cy="101520"/>
           </a:xfrm>
           <a:prstGeom prst="rect">
             <a:avLst/>
@@ -5479,7 +5480,7 @@
         <p:spPr>
           <a:xfrm>
             <a:off x="721440" y="3377520"/>
-            <a:ext cx="5215680" cy="101880"/>
+            <a:ext cx="5215320" cy="101520"/>
           </a:xfrm>
           <a:prstGeom prst="rect">
             <a:avLst/>
@@ -5511,7 +5512,7 @@
         <p:spPr>
           <a:xfrm>
             <a:off x="457200" y="273600"/>
-            <a:ext cx="8228520" cy="1144080"/>
+            <a:ext cx="8229240" cy="1144800"/>
           </a:xfrm>
           <a:prstGeom prst="rect">
             <a:avLst/>
@@ -5520,25 +5521,14 @@
         <p:txBody>
           <a:bodyPr lIns="0" rIns="0" tIns="0" bIns="0" anchor="ctr"/>
           <a:p>
+            <a:pPr algn="ctr"/>
             <a:r>
-              <a:rPr b="0" lang="pt-BR" sz="1800" spc="-1" strike="noStrike">
+              <a:rPr b="0" lang="pt-BR" sz="4400" spc="-1" strike="noStrike">
                 <a:latin typeface="Arial"/>
               </a:rPr>
-              <a:t>Click to edit </a:t>
+              <a:t>Click to edit the title text format</a:t>
             </a:r>
-            <a:r>
-              <a:rPr b="0" lang="pt-BR" sz="1800" spc="-1" strike="noStrike">
-                <a:latin typeface="Arial"/>
-              </a:rPr>
-              <a:t>the title text </a:t>
-            </a:r>
-            <a:r>
-              <a:rPr b="0" lang="pt-BR" sz="1800" spc="-1" strike="noStrike">
-                <a:latin typeface="Arial"/>
-              </a:rPr>
-              <a:t>format</a:t>
-            </a:r>
-            <a:endParaRPr b="0" lang="pt-BR" sz="1800" spc="-1" strike="noStrike">
+            <a:endParaRPr b="0" lang="pt-BR" sz="4400" spc="-1" strike="noStrike">
               <a:latin typeface="Arial"/>
             </a:endParaRPr>
           </a:p>
@@ -5557,7 +5547,7 @@
         <p:spPr>
           <a:xfrm>
             <a:off x="457200" y="1604520"/>
-            <a:ext cx="8228520" cy="3976560"/>
+            <a:ext cx="8229240" cy="3977280"/>
           </a:xfrm>
           <a:prstGeom prst="rect">
             <a:avLst/>
@@ -5580,12 +5570,12 @@
               <a:buChar char=""/>
             </a:pPr>
             <a:r>
-              <a:rPr b="0" lang="pt-BR" sz="1800" spc="-1" strike="noStrike">
+              <a:rPr b="0" lang="pt-BR" sz="3200" spc="-1" strike="noStrike">
                 <a:latin typeface="Arial"/>
               </a:rPr>
               <a:t>Click to edit the outline text format</a:t>
             </a:r>
-            <a:endParaRPr b="0" lang="pt-BR" sz="1800" spc="-1" strike="noStrike">
+            <a:endParaRPr b="0" lang="pt-BR" sz="3200" spc="-1" strike="noStrike">
               <a:latin typeface="Arial"/>
             </a:endParaRPr>
           </a:p>
@@ -5602,12 +5592,12 @@
               <a:buChar char=""/>
             </a:pPr>
             <a:r>
-              <a:rPr b="0" lang="pt-BR" sz="1800" spc="-1" strike="noStrike">
+              <a:rPr b="0" lang="pt-BR" sz="2800" spc="-1" strike="noStrike">
                 <a:latin typeface="Arial"/>
               </a:rPr>
               <a:t>Second Outline Level</a:t>
             </a:r>
-            <a:endParaRPr b="0" lang="pt-BR" sz="1800" spc="-1" strike="noStrike">
+            <a:endParaRPr b="0" lang="pt-BR" sz="2800" spc="-1" strike="noStrike">
               <a:latin typeface="Arial"/>
             </a:endParaRPr>
           </a:p>
@@ -5624,12 +5614,12 @@
               <a:buChar char=""/>
             </a:pPr>
             <a:r>
-              <a:rPr b="0" lang="pt-BR" sz="1800" spc="-1" strike="noStrike">
+              <a:rPr b="0" lang="pt-BR" sz="2400" spc="-1" strike="noStrike">
                 <a:latin typeface="Arial"/>
               </a:rPr>
               <a:t>Third Outline Level</a:t>
             </a:r>
-            <a:endParaRPr b="0" lang="pt-BR" sz="1800" spc="-1" strike="noStrike">
+            <a:endParaRPr b="0" lang="pt-BR" sz="2400" spc="-1" strike="noStrike">
               <a:latin typeface="Arial"/>
             </a:endParaRPr>
           </a:p>
@@ -5646,12 +5636,12 @@
               <a:buChar char=""/>
             </a:pPr>
             <a:r>
-              <a:rPr b="0" lang="pt-BR" sz="1800" spc="-1" strike="noStrike">
+              <a:rPr b="0" lang="pt-BR" sz="2000" spc="-1" strike="noStrike">
                 <a:latin typeface="Arial"/>
               </a:rPr>
               <a:t>Fourth Outline Level</a:t>
             </a:r>
-            <a:endParaRPr b="0" lang="pt-BR" sz="1800" spc="-1" strike="noStrike">
+            <a:endParaRPr b="0" lang="pt-BR" sz="2000" spc="-1" strike="noStrike">
               <a:latin typeface="Arial"/>
             </a:endParaRPr>
           </a:p>
@@ -5668,12 +5658,12 @@
               <a:buChar char=""/>
             </a:pPr>
             <a:r>
-              <a:rPr b="0" lang="pt-BR" sz="1800" spc="-1" strike="noStrike">
+              <a:rPr b="0" lang="pt-BR" sz="2000" spc="-1" strike="noStrike">
                 <a:latin typeface="Arial"/>
               </a:rPr>
               <a:t>Fifth Outline Level</a:t>
             </a:r>
-            <a:endParaRPr b="0" lang="pt-BR" sz="1800" spc="-1" strike="noStrike">
+            <a:endParaRPr b="0" lang="pt-BR" sz="2000" spc="-1" strike="noStrike">
               <a:latin typeface="Arial"/>
             </a:endParaRPr>
           </a:p>
@@ -5690,12 +5680,12 @@
               <a:buChar char=""/>
             </a:pPr>
             <a:r>
-              <a:rPr b="0" lang="pt-BR" sz="1800" spc="-1" strike="noStrike">
+              <a:rPr b="0" lang="pt-BR" sz="2000" spc="-1" strike="noStrike">
                 <a:latin typeface="Arial"/>
               </a:rPr>
               <a:t>Sixth Outline Level</a:t>
             </a:r>
-            <a:endParaRPr b="0" lang="pt-BR" sz="1800" spc="-1" strike="noStrike">
+            <a:endParaRPr b="0" lang="pt-BR" sz="2000" spc="-1" strike="noStrike">
               <a:latin typeface="Arial"/>
             </a:endParaRPr>
           </a:p>
@@ -5712,12 +5702,12 @@
               <a:buChar char=""/>
             </a:pPr>
             <a:r>
-              <a:rPr b="0" lang="pt-BR" sz="1800" spc="-1" strike="noStrike">
+              <a:rPr b="0" lang="pt-BR" sz="2000" spc="-1" strike="noStrike">
                 <a:latin typeface="Arial"/>
               </a:rPr>
               <a:t>Seventh Outline Level</a:t>
             </a:r>
-            <a:endParaRPr b="0" lang="pt-BR" sz="1800" spc="-1" strike="noStrike">
+            <a:endParaRPr b="0" lang="pt-BR" sz="2000" spc="-1" strike="noStrike">
               <a:latin typeface="Arial"/>
             </a:endParaRPr>
           </a:p>
@@ -5776,7 +5766,7 @@
         <p:spPr>
           <a:xfrm>
             <a:off x="0" y="0"/>
-            <a:ext cx="9142920" cy="5322600"/>
+            <a:ext cx="9142560" cy="5322240"/>
           </a:xfrm>
           <a:prstGeom prst="rect">
             <a:avLst/>
@@ -5804,7 +5794,7 @@
         <p:spPr>
           <a:xfrm>
             <a:off x="3047760" y="5323680"/>
-            <a:ext cx="3046680" cy="101880"/>
+            <a:ext cx="3046320" cy="101520"/>
           </a:xfrm>
           <a:prstGeom prst="rect">
             <a:avLst/>
@@ -5832,7 +5822,7 @@
         <p:spPr>
           <a:xfrm>
             <a:off x="6096240" y="5323680"/>
-            <a:ext cx="3046680" cy="101880"/>
+            <a:ext cx="3046320" cy="101520"/>
           </a:xfrm>
           <a:prstGeom prst="rect">
             <a:avLst/>
@@ -5860,7 +5850,7 @@
         <p:spPr>
           <a:xfrm>
             <a:off x="0" y="5323680"/>
-            <a:ext cx="3046680" cy="101880"/>
+            <a:ext cx="3046320" cy="101520"/>
           </a:xfrm>
           <a:prstGeom prst="rect">
             <a:avLst/>
@@ -6146,7 +6136,7 @@
         <p:spPr>
           <a:xfrm>
             <a:off x="7356240" y="6755040"/>
-            <a:ext cx="892440" cy="101880"/>
+            <a:ext cx="892080" cy="101520"/>
           </a:xfrm>
           <a:prstGeom prst="rect">
             <a:avLst/>
@@ -6174,7 +6164,7 @@
         <p:spPr>
           <a:xfrm>
             <a:off x="8250480" y="6755040"/>
-            <a:ext cx="892440" cy="101880"/>
+            <a:ext cx="892080" cy="101520"/>
           </a:xfrm>
           <a:prstGeom prst="rect">
             <a:avLst/>
@@ -6202,7 +6192,7 @@
         <p:spPr>
           <a:xfrm>
             <a:off x="0" y="6755040"/>
-            <a:ext cx="892440" cy="101880"/>
+            <a:ext cx="892080" cy="101520"/>
           </a:xfrm>
           <a:prstGeom prst="rect">
             <a:avLst/>
@@ -6230,7 +6220,7 @@
         <p:spPr>
           <a:xfrm>
             <a:off x="893880" y="6755040"/>
-            <a:ext cx="6461640" cy="101880"/>
+            <a:ext cx="6461280" cy="101520"/>
           </a:xfrm>
           <a:prstGeom prst="rect">
             <a:avLst/>
@@ -6516,7 +6506,7 @@
         <p:spPr>
           <a:xfrm>
             <a:off x="7356240" y="6755040"/>
-            <a:ext cx="892440" cy="101880"/>
+            <a:ext cx="892080" cy="101520"/>
           </a:xfrm>
           <a:prstGeom prst="rect">
             <a:avLst/>
@@ -6544,7 +6534,7 @@
         <p:spPr>
           <a:xfrm>
             <a:off x="8250480" y="6755040"/>
-            <a:ext cx="892440" cy="101880"/>
+            <a:ext cx="892080" cy="101520"/>
           </a:xfrm>
           <a:prstGeom prst="rect">
             <a:avLst/>
@@ -6572,7 +6562,7 @@
         <p:spPr>
           <a:xfrm>
             <a:off x="0" y="6755040"/>
-            <a:ext cx="892440" cy="101880"/>
+            <a:ext cx="892080" cy="101520"/>
           </a:xfrm>
           <a:prstGeom prst="rect">
             <a:avLst/>
@@ -6600,7 +6590,7 @@
         <p:spPr>
           <a:xfrm>
             <a:off x="893880" y="6755040"/>
-            <a:ext cx="6461640" cy="101880"/>
+            <a:ext cx="6461280" cy="101520"/>
           </a:xfrm>
           <a:prstGeom prst="rect">
             <a:avLst/>
@@ -6879,7 +6869,7 @@
         <p:spPr>
           <a:xfrm>
             <a:off x="615600" y="1800000"/>
-            <a:ext cx="5215680" cy="1545480"/>
+            <a:ext cx="5215320" cy="1545120"/>
           </a:xfrm>
           <a:prstGeom prst="rect">
             <a:avLst/>
@@ -6928,7 +6918,7 @@
         <p:spPr>
           <a:xfrm>
             <a:off x="3024000" y="4501800"/>
-            <a:ext cx="5215680" cy="1545480"/>
+            <a:ext cx="5215320" cy="1545120"/>
           </a:xfrm>
           <a:prstGeom prst="rect">
             <a:avLst/>
@@ -7070,7 +7060,7 @@
         <p:spPr>
           <a:xfrm>
             <a:off x="792000" y="393840"/>
-            <a:ext cx="7847280" cy="1045440"/>
+            <a:ext cx="7846920" cy="1045080"/>
           </a:xfrm>
           <a:prstGeom prst="rect">
             <a:avLst/>
@@ -7123,7 +7113,7 @@
         <p:spPr>
           <a:xfrm>
             <a:off x="925560" y="1296000"/>
-            <a:ext cx="6849720" cy="5183640"/>
+            <a:ext cx="6849360" cy="5183280"/>
           </a:xfrm>
           <a:prstGeom prst="rect">
             <a:avLst/>
@@ -7191,7 +7181,7 @@
         <p:spPr>
           <a:xfrm>
             <a:off x="792000" y="393840"/>
-            <a:ext cx="7847280" cy="1045440"/>
+            <a:ext cx="7846920" cy="1045080"/>
           </a:xfrm>
           <a:prstGeom prst="rect">
             <a:avLst/>
@@ -7244,7 +7234,7 @@
         <p:spPr>
           <a:xfrm>
             <a:off x="1070280" y="1296000"/>
-            <a:ext cx="6849360" cy="5183640"/>
+            <a:ext cx="6849000" cy="5183280"/>
           </a:xfrm>
           <a:prstGeom prst="rect">
             <a:avLst/>
@@ -7316,7 +7306,7 @@
         <p:spPr>
           <a:xfrm>
             <a:off x="83160" y="648360"/>
-            <a:ext cx="8916120" cy="6047280"/>
+            <a:ext cx="8915760" cy="6046920"/>
           </a:xfrm>
           <a:prstGeom prst="rect">
             <a:avLst/>
@@ -7335,7 +7325,7 @@
         <p:spPr>
           <a:xfrm>
             <a:off x="2649960" y="216000"/>
-            <a:ext cx="3973680" cy="564480"/>
+            <a:ext cx="3973320" cy="564120"/>
           </a:xfrm>
           <a:prstGeom prst="rect">
             <a:avLst/>
@@ -7432,8 +7422,8 @@
         </p:nvSpPr>
         <p:spPr>
           <a:xfrm>
-            <a:off x="792000" y="393840"/>
-            <a:ext cx="7847280" cy="1045440"/>
+            <a:off x="2649960" y="216000"/>
+            <a:ext cx="3973320" cy="564120"/>
           </a:xfrm>
           <a:prstGeom prst="rect">
             <a:avLst/>
@@ -7450,7 +7440,7 @@
           <a:fontRef idx="minor"/>
         </p:style>
         <p:txBody>
-          <a:bodyPr lIns="90000" rIns="90000" tIns="91440" bIns="91440"/>
+          <a:bodyPr lIns="90000" rIns="90000" tIns="45000" bIns="45000"/>
           <a:p>
             <a:pPr algn="ctr">
               <a:lnSpc>
@@ -7458,16 +7448,16 @@
               </a:lnSpc>
             </a:pPr>
             <a:r>
-              <a:rPr b="0" lang="pt-BR" sz="4800" spc="-1" strike="noStrike">
+              <a:rPr b="0" lang="pt-BR" sz="3200" spc="-1" strike="noStrike">
                 <a:solidFill>
                   <a:srgbClr val="2185c5"/>
                 </a:solidFill>
                 <a:latin typeface="Lato"/>
                 <a:ea typeface="Lato"/>
               </a:rPr>
-              <a:t>Diagrama BPMN</a:t>
+              <a:t>Modelagem UML</a:t>
             </a:r>
-            <a:endParaRPr b="0" lang="pt-BR" sz="4800" spc="-1" strike="noStrike">
+            <a:endParaRPr b="0" lang="pt-BR" sz="3200" spc="-1" strike="noStrike">
               <a:latin typeface="Arial"/>
             </a:endParaRPr>
           </a:p>
@@ -7485,8 +7475,8 @@
         </p:blipFill>
         <p:spPr>
           <a:xfrm>
-            <a:off x="0" y="1728000"/>
-            <a:ext cx="9143280" cy="4319640"/>
+            <a:off x="1152000" y="1069920"/>
+            <a:ext cx="6863040" cy="5194080"/>
           </a:xfrm>
           <a:prstGeom prst="rect">
             <a:avLst/>
@@ -7553,8 +7543,8 @@
         </p:nvSpPr>
         <p:spPr>
           <a:xfrm>
-            <a:off x="651960" y="3096000"/>
-            <a:ext cx="7771320" cy="1545480"/>
+            <a:off x="792000" y="393840"/>
+            <a:ext cx="7846920" cy="1045080"/>
           </a:xfrm>
           <a:prstGeom prst="rect">
             <a:avLst/>
@@ -7571,7 +7561,7 @@
           <a:fontRef idx="minor"/>
         </p:style>
         <p:txBody>
-          <a:bodyPr lIns="90000" rIns="90000" tIns="91440" bIns="91440" anchor="b"/>
+          <a:bodyPr lIns="90000" rIns="90000" tIns="91440" bIns="91440"/>
           <a:p>
             <a:pPr algn="ctr">
               <a:lnSpc>
@@ -7579,25 +7569,14 @@
               </a:lnSpc>
             </a:pPr>
             <a:r>
-              <a:rPr b="0" lang="pt-BR" sz="7200" spc="-1" strike="noStrike">
-                <a:solidFill>
-                  <a:srgbClr val="7ecefd"/>
-                </a:solidFill>
-                <a:latin typeface="Raleway"/>
-                <a:ea typeface="Raleway"/>
-              </a:rPr>
-              <a:t>4.</a:t>
-            </a:r>
-            <a:br/>
-            <a:r>
               <a:rPr b="0" lang="pt-BR" sz="4800" spc="-1" strike="noStrike">
                 <a:solidFill>
-                  <a:srgbClr val="ffffff"/>
+                  <a:srgbClr val="2185c5"/>
                 </a:solidFill>
-                <a:latin typeface="Raleway"/>
-                <a:ea typeface="Raleway"/>
+                <a:latin typeface="Lato"/>
+                <a:ea typeface="Lato"/>
               </a:rPr>
-              <a:t>CONFIGURAÇÕES NECESSÁRIAS</a:t>
+              <a:t>Diagrama BPMN</a:t>
             </a:r>
             <a:endParaRPr b="0" lang="pt-BR" sz="4800" spc="-1" strike="noStrike">
               <a:latin typeface="Arial"/>
@@ -7605,6 +7584,29 @@
           </a:p>
         </p:txBody>
       </p:sp>
+      <p:pic>
+        <p:nvPicPr>
+          <p:cNvPr id="212" name="" descr=""/>
+          <p:cNvPicPr/>
+          <p:nvPr/>
+        </p:nvPicPr>
+        <p:blipFill>
+          <a:blip r:embed="rId1"/>
+          <a:stretch/>
+        </p:blipFill>
+        <p:spPr>
+          <a:xfrm>
+            <a:off x="0" y="1728000"/>
+            <a:ext cx="9142920" cy="4319280"/>
+          </a:xfrm>
+          <a:prstGeom prst="rect">
+            <a:avLst/>
+          </a:prstGeom>
+          <a:ln>
+            <a:noFill/>
+          </a:ln>
+        </p:spPr>
+      </p:pic>
     </p:spTree>
   </p:cSld>
   <p:timing>
@@ -7656,14 +7658,14 @@
       </p:grpSpPr>
       <p:sp>
         <p:nvSpPr>
-          <p:cNvPr id="212" name="CustomShape 1"/>
+          <p:cNvPr id="213" name="CustomShape 1"/>
           <p:cNvSpPr/>
           <p:nvPr/>
         </p:nvSpPr>
         <p:spPr>
           <a:xfrm>
-            <a:off x="1711080" y="465840"/>
-            <a:ext cx="5560200" cy="1045440"/>
+            <a:off x="651960" y="3096000"/>
+            <a:ext cx="7770960" cy="1545120"/>
           </a:xfrm>
           <a:prstGeom prst="rect">
             <a:avLst/>
@@ -7680,7 +7682,7 @@
           <a:fontRef idx="minor"/>
         </p:style>
         <p:txBody>
-          <a:bodyPr lIns="90000" rIns="90000" tIns="91440" bIns="91440"/>
+          <a:bodyPr lIns="90000" rIns="90000" tIns="91440" bIns="91440" anchor="b"/>
           <a:p>
             <a:pPr algn="ctr">
               <a:lnSpc>
@@ -7688,160 +7690,27 @@
               </a:lnSpc>
             </a:pPr>
             <a:r>
+              <a:rPr b="0" lang="pt-BR" sz="7200" spc="-1" strike="noStrike">
+                <a:solidFill>
+                  <a:srgbClr val="7ecefd"/>
+                </a:solidFill>
+                <a:latin typeface="Raleway"/>
+                <a:ea typeface="Raleway"/>
+              </a:rPr>
+              <a:t>4.</a:t>
+            </a:r>
+            <a:br/>
+            <a:r>
               <a:rPr b="0" lang="pt-BR" sz="4800" spc="-1" strike="noStrike">
                 <a:solidFill>
-                  <a:srgbClr val="2185c5"/>
+                  <a:srgbClr val="ffffff"/>
                 </a:solidFill>
-                <a:latin typeface="Lato"/>
-                <a:ea typeface="Lato"/>
+                <a:latin typeface="Raleway"/>
+                <a:ea typeface="Raleway"/>
               </a:rPr>
-              <a:t>Configurações</a:t>
+              <a:t>CONFIGURAÇÕES NECESSÁRIAS</a:t>
             </a:r>
             <a:endParaRPr b="0" lang="pt-BR" sz="4800" spc="-1" strike="noStrike">
-              <a:latin typeface="Arial"/>
-            </a:endParaRPr>
-          </a:p>
-        </p:txBody>
-      </p:sp>
-      <p:sp>
-        <p:nvSpPr>
-          <p:cNvPr id="213" name="CustomShape 2"/>
-          <p:cNvSpPr/>
-          <p:nvPr/>
-        </p:nvSpPr>
-        <p:spPr>
-          <a:xfrm>
-            <a:off x="415080" y="2016000"/>
-            <a:ext cx="8296200" cy="3527640"/>
-          </a:xfrm>
-          <a:prstGeom prst="rect">
-            <a:avLst/>
-          </a:prstGeom>
-          <a:noFill/>
-          <a:ln>
-            <a:noFill/>
-          </a:ln>
-        </p:spPr>
-        <p:style>
-          <a:lnRef idx="0"/>
-          <a:fillRef idx="0"/>
-          <a:effectRef idx="0"/>
-          <a:fontRef idx="minor"/>
-        </p:style>
-        <p:txBody>
-          <a:bodyPr lIns="90000" rIns="90000" tIns="91440" bIns="91440"/>
-          <a:p>
-            <a:pPr marL="216000" indent="-215640">
-              <a:lnSpc>
-                <a:spcPct val="100000"/>
-              </a:lnSpc>
-              <a:buClr>
-                <a:srgbClr val="000000"/>
-              </a:buClr>
-              <a:buFont typeface="Wingdings" charset="2"/>
-              <a:buChar char=""/>
-            </a:pPr>
-            <a:r>
-              <a:rPr b="0" lang="pt-BR" sz="3600" spc="-1" strike="noStrike">
-                <a:solidFill>
-                  <a:srgbClr val="000000"/>
-                </a:solidFill>
-                <a:latin typeface="Arial"/>
-                <a:ea typeface="Lato"/>
-              </a:rPr>
-              <a:t>Definir IP multicast no arquivo. udp.xml do JGroups.</a:t>
-            </a:r>
-            <a:endParaRPr b="0" lang="pt-BR" sz="3600" spc="-1" strike="noStrike">
-              <a:latin typeface="Arial"/>
-            </a:endParaRPr>
-          </a:p>
-          <a:p>
-            <a:pPr>
-              <a:lnSpc>
-                <a:spcPct val="100000"/>
-              </a:lnSpc>
-            </a:pPr>
-            <a:endParaRPr b="0" lang="pt-BR" sz="3600" spc="-1" strike="noStrike">
-              <a:latin typeface="Arial"/>
-            </a:endParaRPr>
-          </a:p>
-          <a:p>
-            <a:pPr marL="216000" indent="-215640">
-              <a:lnSpc>
-                <a:spcPct val="100000"/>
-              </a:lnSpc>
-              <a:buClr>
-                <a:srgbClr val="000000"/>
-              </a:buClr>
-              <a:buFont typeface="Wingdings" charset="2"/>
-              <a:buChar char=""/>
-            </a:pPr>
-            <a:r>
-              <a:rPr b="0" lang="pt-BR" sz="3600" spc="-1" strike="noStrike">
-                <a:solidFill>
-                  <a:srgbClr val="000000"/>
-                </a:solidFill>
-                <a:latin typeface="Arial"/>
-                <a:ea typeface="Lato"/>
-              </a:rPr>
-              <a:t>Setar IPv4 como </a:t>
-            </a:r>
-            <a:r>
-              <a:rPr b="0" i="1" lang="pt-BR" sz="3600" spc="-1" strike="noStrike">
-                <a:solidFill>
-                  <a:srgbClr val="000000"/>
-                </a:solidFill>
-                <a:latin typeface="Arial"/>
-                <a:ea typeface="Lato"/>
-              </a:rPr>
-              <a:t>default </a:t>
-            </a:r>
-            <a:r>
-              <a:rPr b="0" lang="pt-BR" sz="3600" spc="-1" strike="noStrike">
-                <a:solidFill>
-                  <a:srgbClr val="000000"/>
-                </a:solidFill>
-                <a:latin typeface="Arial"/>
-                <a:ea typeface="Lato"/>
-              </a:rPr>
-              <a:t>na JVM.</a:t>
-            </a:r>
-            <a:endParaRPr b="0" lang="pt-BR" sz="3600" spc="-1" strike="noStrike">
-              <a:latin typeface="Arial"/>
-            </a:endParaRPr>
-          </a:p>
-          <a:p>
-            <a:pPr>
-              <a:lnSpc>
-                <a:spcPct val="100000"/>
-              </a:lnSpc>
-            </a:pPr>
-            <a:endParaRPr b="0" lang="pt-BR" sz="3600" spc="-1" strike="noStrike">
-              <a:latin typeface="Arial"/>
-            </a:endParaRPr>
-          </a:p>
-          <a:p>
-            <a:pPr marL="216000" indent="-215640">
-              <a:lnSpc>
-                <a:spcPct val="100000"/>
-              </a:lnSpc>
-              <a:buClr>
-                <a:srgbClr val="000000"/>
-              </a:buClr>
-              <a:buFont typeface="Wingdings" charset="2"/>
-              <a:buChar char=""/>
-            </a:pPr>
-            <a:r>
-              <a:rPr b="0" lang="pt-BR" sz="3600" spc="-1" strike="noStrike">
-                <a:solidFill>
-                  <a:srgbClr val="000000"/>
-                </a:solidFill>
-                <a:latin typeface="Arial"/>
-                <a:ea typeface="Lato"/>
-              </a:rPr>
-              <a:t>Habilitar protocolo IGMP no roteador.</a:t>
-            </a:r>
-            <a:endParaRPr b="0" lang="pt-BR" sz="3600" spc="-1" strike="noStrike">
               <a:latin typeface="Arial"/>
             </a:endParaRPr>
           </a:p>
@@ -7904,8 +7773,8 @@
         </p:nvSpPr>
         <p:spPr>
           <a:xfrm>
-            <a:off x="199440" y="250200"/>
-            <a:ext cx="8800200" cy="1045440"/>
+            <a:off x="1711080" y="465840"/>
+            <a:ext cx="5559840" cy="1045080"/>
           </a:xfrm>
           <a:prstGeom prst="rect">
             <a:avLst/>
@@ -7937,7 +7806,7 @@
                 <a:latin typeface="Lato"/>
                 <a:ea typeface="Lato"/>
               </a:rPr>
-              <a:t>Definição do IP multicast</a:t>
+              <a:t>Configurações</a:t>
             </a:r>
             <a:endParaRPr b="0" lang="pt-BR" sz="4800" spc="-1" strike="noStrike">
               <a:latin typeface="Arial"/>
@@ -7953,8 +7822,8 @@
         </p:nvSpPr>
         <p:spPr>
           <a:xfrm>
-            <a:off x="415080" y="1512000"/>
-            <a:ext cx="8296200" cy="4751280"/>
+            <a:off x="415080" y="2016000"/>
+            <a:ext cx="8295840" cy="3527280"/>
           </a:xfrm>
           <a:prstGeom prst="rect">
             <a:avLst/>
@@ -7973,10 +7842,15 @@
         <p:txBody>
           <a:bodyPr lIns="90000" rIns="90000" tIns="91440" bIns="91440"/>
           <a:p>
-            <a:pPr algn="ctr">
+            <a:pPr marL="216000" indent="-215280">
               <a:lnSpc>
                 <a:spcPct val="100000"/>
               </a:lnSpc>
+              <a:buClr>
+                <a:srgbClr val="000000"/>
+              </a:buClr>
+              <a:buFont typeface="Wingdings" charset="2"/>
+              <a:buChar char=""/>
             </a:pPr>
             <a:r>
               <a:rPr b="0" lang="pt-BR" sz="3600" spc="-1" strike="noStrike">
@@ -7986,65 +7860,103 @@
                 <a:latin typeface="Arial"/>
                 <a:ea typeface="Lato"/>
               </a:rPr>
-              <a:t>Ao invés de usar JGroups .jar, descompacte o arquivo e defina um IP  para multicast, adicionando uma linha ao arquivo. Importe a pasta para o projeto depois.</a:t>
+              <a:t>Definir IP multicast no arquivo. udp.xml do JGroups.</a:t>
             </a:r>
             <a:endParaRPr b="0" lang="pt-BR" sz="3600" spc="-1" strike="noStrike">
               <a:latin typeface="Arial"/>
             </a:endParaRPr>
           </a:p>
-        </p:txBody>
-      </p:sp>
-      <p:pic>
-        <p:nvPicPr>
-          <p:cNvPr id="216" name="" descr=""/>
-          <p:cNvPicPr/>
-          <p:nvPr/>
-        </p:nvPicPr>
-        <p:blipFill>
-          <a:blip r:embed="rId1"/>
-          <a:stretch/>
-        </p:blipFill>
-        <p:spPr>
-          <a:xfrm>
-            <a:off x="0" y="5184000"/>
-            <a:ext cx="9133920" cy="961200"/>
-          </a:xfrm>
-          <a:prstGeom prst="rect">
-            <a:avLst/>
-          </a:prstGeom>
-          <a:ln>
-            <a:noFill/>
-          </a:ln>
-        </p:spPr>
-      </p:pic>
-      <p:sp>
-        <p:nvSpPr>
-          <p:cNvPr id="217" name="Line 3"/>
-          <p:cNvSpPr/>
-          <p:nvPr/>
-        </p:nvSpPr>
-        <p:spPr>
-          <a:xfrm>
-            <a:off x="792000" y="4824000"/>
-            <a:ext cx="792000" cy="648000"/>
-          </a:xfrm>
-          <a:prstGeom prst="line">
-            <a:avLst/>
-          </a:prstGeom>
-          <a:ln w="38160">
-            <a:solidFill>
-              <a:srgbClr val="ef413d"/>
-            </a:solidFill>
-            <a:round/>
-            <a:tailEnd len="med" type="triangle" w="med"/>
-          </a:ln>
-        </p:spPr>
-        <p:style>
-          <a:lnRef idx="0"/>
-          <a:fillRef idx="0"/>
-          <a:effectRef idx="0"/>
-          <a:fontRef idx="minor"/>
-        </p:style>
+          <a:p>
+            <a:pPr>
+              <a:lnSpc>
+                <a:spcPct val="100000"/>
+              </a:lnSpc>
+            </a:pPr>
+            <a:endParaRPr b="0" lang="pt-BR" sz="3600" spc="-1" strike="noStrike">
+              <a:latin typeface="Arial"/>
+            </a:endParaRPr>
+          </a:p>
+          <a:p>
+            <a:pPr marL="216000" indent="-215280">
+              <a:lnSpc>
+                <a:spcPct val="100000"/>
+              </a:lnSpc>
+              <a:buClr>
+                <a:srgbClr val="000000"/>
+              </a:buClr>
+              <a:buFont typeface="Wingdings" charset="2"/>
+              <a:buChar char=""/>
+            </a:pPr>
+            <a:r>
+              <a:rPr b="0" lang="pt-BR" sz="3600" spc="-1" strike="noStrike">
+                <a:solidFill>
+                  <a:srgbClr val="000000"/>
+                </a:solidFill>
+                <a:latin typeface="Arial"/>
+                <a:ea typeface="Lato"/>
+              </a:rPr>
+              <a:t>Setar IPv4 como </a:t>
+            </a:r>
+            <a:r>
+              <a:rPr b="0" i="1" lang="pt-BR" sz="3600" spc="-1" strike="noStrike">
+                <a:solidFill>
+                  <a:srgbClr val="000000"/>
+                </a:solidFill>
+                <a:latin typeface="Arial"/>
+                <a:ea typeface="Lato"/>
+              </a:rPr>
+              <a:t>default </a:t>
+            </a:r>
+            <a:r>
+              <a:rPr b="0" lang="pt-BR" sz="3600" spc="-1" strike="noStrike">
+                <a:solidFill>
+                  <a:srgbClr val="000000"/>
+                </a:solidFill>
+                <a:latin typeface="Arial"/>
+                <a:ea typeface="Lato"/>
+              </a:rPr>
+              <a:t>na JVM.</a:t>
+            </a:r>
+            <a:endParaRPr b="0" lang="pt-BR" sz="3600" spc="-1" strike="noStrike">
+              <a:latin typeface="Arial"/>
+            </a:endParaRPr>
+          </a:p>
+          <a:p>
+            <a:pPr>
+              <a:lnSpc>
+                <a:spcPct val="100000"/>
+              </a:lnSpc>
+            </a:pPr>
+            <a:endParaRPr b="0" lang="pt-BR" sz="3600" spc="-1" strike="noStrike">
+              <a:latin typeface="Arial"/>
+            </a:endParaRPr>
+          </a:p>
+          <a:p>
+            <a:pPr marL="216000" indent="-215280">
+              <a:lnSpc>
+                <a:spcPct val="100000"/>
+              </a:lnSpc>
+              <a:buClr>
+                <a:srgbClr val="000000"/>
+              </a:buClr>
+              <a:buFont typeface="Wingdings" charset="2"/>
+              <a:buChar char=""/>
+            </a:pPr>
+            <a:r>
+              <a:rPr b="0" lang="pt-BR" sz="3600" spc="-1" strike="noStrike">
+                <a:solidFill>
+                  <a:srgbClr val="000000"/>
+                </a:solidFill>
+                <a:latin typeface="Arial"/>
+                <a:ea typeface="Lato"/>
+              </a:rPr>
+              <a:t>Habilitar protocolo IGMP no roteador.</a:t>
+            </a:r>
+            <a:endParaRPr b="0" lang="pt-BR" sz="3600" spc="-1" strike="noStrike">
+              <a:latin typeface="Arial"/>
+            </a:endParaRPr>
+          </a:p>
+        </p:txBody>
       </p:sp>
     </p:spTree>
   </p:cSld>
@@ -8097,14 +8009,14 @@
       </p:grpSpPr>
       <p:sp>
         <p:nvSpPr>
-          <p:cNvPr id="218" name="CustomShape 1"/>
+          <p:cNvPr id="216" name="CustomShape 1"/>
           <p:cNvSpPr/>
           <p:nvPr/>
         </p:nvSpPr>
         <p:spPr>
           <a:xfrm>
             <a:off x="199440" y="250200"/>
-            <a:ext cx="8800200" cy="1045440"/>
+            <a:ext cx="8799840" cy="1045080"/>
           </a:xfrm>
           <a:prstGeom prst="rect">
             <a:avLst/>
@@ -8136,7 +8048,7 @@
                 <a:latin typeface="Lato"/>
                 <a:ea typeface="Lato"/>
               </a:rPr>
-              <a:t>Definir IPv4 como padrão na JVM</a:t>
+              <a:t>Definição do IP multicast</a:t>
             </a:r>
             <a:endParaRPr b="0" lang="pt-BR" sz="4800" spc="-1" strike="noStrike">
               <a:latin typeface="Arial"/>
@@ -8144,9 +8056,58 @@
           </a:p>
         </p:txBody>
       </p:sp>
+      <p:sp>
+        <p:nvSpPr>
+          <p:cNvPr id="217" name="CustomShape 2"/>
+          <p:cNvSpPr/>
+          <p:nvPr/>
+        </p:nvSpPr>
+        <p:spPr>
+          <a:xfrm>
+            <a:off x="415080" y="1512000"/>
+            <a:ext cx="8295840" cy="4750920"/>
+          </a:xfrm>
+          <a:prstGeom prst="rect">
+            <a:avLst/>
+          </a:prstGeom>
+          <a:noFill/>
+          <a:ln>
+            <a:noFill/>
+          </a:ln>
+        </p:spPr>
+        <p:style>
+          <a:lnRef idx="0"/>
+          <a:fillRef idx="0"/>
+          <a:effectRef idx="0"/>
+          <a:fontRef idx="minor"/>
+        </p:style>
+        <p:txBody>
+          <a:bodyPr lIns="90000" rIns="90000" tIns="91440" bIns="91440"/>
+          <a:p>
+            <a:pPr algn="ctr">
+              <a:lnSpc>
+                <a:spcPct val="100000"/>
+              </a:lnSpc>
+            </a:pPr>
+            <a:r>
+              <a:rPr b="0" lang="pt-BR" sz="3600" spc="-1" strike="noStrike">
+                <a:solidFill>
+                  <a:srgbClr val="000000"/>
+                </a:solidFill>
+                <a:latin typeface="Arial"/>
+                <a:ea typeface="Lato"/>
+              </a:rPr>
+              <a:t>Ao invés de usar JGroups .jar, descompacte o arquivo e defina um IP  para multicast, adicionando uma linha ao arquivo. Importe a pasta para o projeto depois.</a:t>
+            </a:r>
+            <a:endParaRPr b="0" lang="pt-BR" sz="3600" spc="-1" strike="noStrike">
+              <a:latin typeface="Arial"/>
+            </a:endParaRPr>
+          </a:p>
+        </p:txBody>
+      </p:sp>
       <p:pic>
         <p:nvPicPr>
-          <p:cNvPr id="219" name="" descr=""/>
+          <p:cNvPr id="218" name="" descr=""/>
           <p:cNvPicPr/>
           <p:nvPr/>
         </p:nvPicPr>
@@ -8156,8 +8117,8 @@
         </p:blipFill>
         <p:spPr>
           <a:xfrm>
-            <a:off x="432000" y="2284920"/>
-            <a:ext cx="811080" cy="811080"/>
+            <a:off x="0" y="5184000"/>
+            <a:ext cx="9133560" cy="960840"/>
           </a:xfrm>
           <a:prstGeom prst="rect">
             <a:avLst/>
@@ -8167,69 +8128,26 @@
           </a:ln>
         </p:spPr>
       </p:pic>
-      <p:pic>
-        <p:nvPicPr>
-          <p:cNvPr id="220" name="" descr=""/>
-          <p:cNvPicPr/>
-          <p:nvPr/>
-        </p:nvPicPr>
-        <p:blipFill>
-          <a:blip r:embed="rId2"/>
-          <a:stretch/>
-        </p:blipFill>
-        <p:spPr>
-          <a:xfrm>
-            <a:off x="137160" y="3664800"/>
-            <a:ext cx="1374840" cy="1374840"/>
-          </a:xfrm>
-          <a:prstGeom prst="rect">
-            <a:avLst/>
-          </a:prstGeom>
-          <a:ln>
-            <a:noFill/>
-          </a:ln>
-        </p:spPr>
-      </p:pic>
-      <p:pic>
-        <p:nvPicPr>
-          <p:cNvPr id="221" name="" descr=""/>
-          <p:cNvPicPr/>
-          <p:nvPr/>
-        </p:nvPicPr>
-        <p:blipFill>
-          <a:blip r:embed="rId3"/>
-          <a:stretch/>
-        </p:blipFill>
-        <p:spPr>
-          <a:xfrm>
-            <a:off x="360000" y="5458320"/>
-            <a:ext cx="949320" cy="949320"/>
-          </a:xfrm>
-          <a:prstGeom prst="rect">
-            <a:avLst/>
-          </a:prstGeom>
-          <a:ln>
-            <a:noFill/>
-          </a:ln>
-        </p:spPr>
-      </p:pic>
-      <p:sp>
-        <p:nvSpPr>
-          <p:cNvPr id="222" name="CustomShape 2"/>
+      <p:sp>
+        <p:nvSpPr>
+          <p:cNvPr id="219" name="Line 3"/>
           <p:cNvSpPr/>
           <p:nvPr/>
         </p:nvSpPr>
         <p:spPr>
           <a:xfrm>
-            <a:off x="1368000" y="2559600"/>
-            <a:ext cx="7776000" cy="608400"/>
-          </a:xfrm>
-          <a:prstGeom prst="rect">
-            <a:avLst/>
-          </a:prstGeom>
-          <a:noFill/>
-          <a:ln>
-            <a:noFill/>
+            <a:off x="792000" y="4824000"/>
+            <a:ext cx="792000" cy="648000"/>
+          </a:xfrm>
+          <a:prstGeom prst="line">
+            <a:avLst/>
+          </a:prstGeom>
+          <a:ln w="38160">
+            <a:solidFill>
+              <a:srgbClr val="ef413d"/>
+            </a:solidFill>
+            <a:round/>
+            <a:tailEnd len="med" type="triangle" w="med"/>
           </a:ln>
         </p:spPr>
         <p:style>
@@ -8238,100 +8156,6 @@
           <a:effectRef idx="0"/>
           <a:fontRef idx="minor"/>
         </p:style>
-        <p:txBody>
-          <a:bodyPr lIns="90000" rIns="90000" tIns="45000" bIns="45000"/>
-          <a:p>
-            <a:r>
-              <a:rPr b="1" lang="pt-BR" sz="1900" spc="-1" strike="noStrike">
-                <a:latin typeface="Courier New"/>
-              </a:rPr>
-              <a:t>setx _JAVA_OPTIONS -Djava.net.preferIPv4Stack=true</a:t>
-            </a:r>
-            <a:endParaRPr b="0" lang="pt-BR" sz="1900" spc="-1" strike="noStrike">
-              <a:latin typeface="Arial"/>
-            </a:endParaRPr>
-          </a:p>
-        </p:txBody>
-      </p:sp>
-      <p:sp>
-        <p:nvSpPr>
-          <p:cNvPr id="223" name="CustomShape 3"/>
-          <p:cNvSpPr/>
-          <p:nvPr/>
-        </p:nvSpPr>
-        <p:spPr>
-          <a:xfrm>
-            <a:off x="1368000" y="4104000"/>
-            <a:ext cx="7920000" cy="504000"/>
-          </a:xfrm>
-          <a:prstGeom prst="rect">
-            <a:avLst/>
-          </a:prstGeom>
-          <a:noFill/>
-          <a:ln>
-            <a:noFill/>
-          </a:ln>
-        </p:spPr>
-        <p:style>
-          <a:lnRef idx="0"/>
-          <a:fillRef idx="0"/>
-          <a:effectRef idx="0"/>
-          <a:fontRef idx="minor"/>
-        </p:style>
-        <p:txBody>
-          <a:bodyPr lIns="90000" rIns="90000" tIns="45000" bIns="45000"/>
-          <a:p>
-            <a:r>
-              <a:rPr b="1" lang="pt-BR" sz="1800" spc="-1" strike="noStrike">
-                <a:latin typeface="Courier New"/>
-              </a:rPr>
-              <a:t>export _JAVA_OPTIONS=”-Djava.net.preferIPv4Stack=true”</a:t>
-            </a:r>
-            <a:endParaRPr b="0" lang="pt-BR" sz="1800" spc="-1" strike="noStrike">
-              <a:latin typeface="Arial"/>
-            </a:endParaRPr>
-          </a:p>
-        </p:txBody>
-      </p:sp>
-      <p:sp>
-        <p:nvSpPr>
-          <p:cNvPr id="224" name="CustomShape 4"/>
-          <p:cNvSpPr/>
-          <p:nvPr/>
-        </p:nvSpPr>
-        <p:spPr>
-          <a:xfrm>
-            <a:off x="1368360" y="5688360"/>
-            <a:ext cx="7631640" cy="431640"/>
-          </a:xfrm>
-          <a:prstGeom prst="rect">
-            <a:avLst/>
-          </a:prstGeom>
-          <a:noFill/>
-          <a:ln>
-            <a:noFill/>
-          </a:ln>
-        </p:spPr>
-        <p:style>
-          <a:lnRef idx="0"/>
-          <a:fillRef idx="0"/>
-          <a:effectRef idx="0"/>
-          <a:fontRef idx="minor"/>
-        </p:style>
-        <p:txBody>
-          <a:bodyPr lIns="90000" rIns="90000" tIns="45000" bIns="45000"/>
-          <a:p>
-            <a:r>
-              <a:rPr b="1" lang="pt-BR" sz="1800" spc="-1" strike="noStrike">
-                <a:latin typeface="Courier New"/>
-              </a:rPr>
-              <a:t>System.setProperty("java.net.preferIPv4Stack","true");</a:t>
-            </a:r>
-            <a:endParaRPr b="0" lang="pt-BR" sz="1800" spc="-1" strike="noStrike">
-              <a:latin typeface="Arial"/>
-            </a:endParaRPr>
-          </a:p>
-        </p:txBody>
       </p:sp>
     </p:spTree>
   </p:cSld>
@@ -8384,14 +8208,14 @@
       </p:grpSpPr>
       <p:sp>
         <p:nvSpPr>
-          <p:cNvPr id="225" name="CustomShape 1"/>
+          <p:cNvPr id="220" name="CustomShape 1"/>
           <p:cNvSpPr/>
           <p:nvPr/>
         </p:nvSpPr>
         <p:spPr>
           <a:xfrm>
             <a:off x="199440" y="250200"/>
-            <a:ext cx="8800200" cy="1045440"/>
+            <a:ext cx="8799840" cy="1045080"/>
           </a:xfrm>
           <a:prstGeom prst="rect">
             <a:avLst/>
@@ -8423,7 +8247,7 @@
                 <a:latin typeface="Lato"/>
                 <a:ea typeface="Lato"/>
               </a:rPr>
-              <a:t>Habilitar IGMP no roteador</a:t>
+              <a:t>Definir IPv4 como padrão na JVM</a:t>
             </a:r>
             <a:endParaRPr b="0" lang="pt-BR" sz="4800" spc="-1" strike="noStrike">
               <a:latin typeface="Arial"/>
@@ -8431,16 +8255,85 @@
           </a:p>
         </p:txBody>
       </p:sp>
-      <p:sp>
-        <p:nvSpPr>
-          <p:cNvPr id="226" name="CustomShape 2"/>
+      <p:pic>
+        <p:nvPicPr>
+          <p:cNvPr id="221" name="" descr=""/>
+          <p:cNvPicPr/>
+          <p:nvPr/>
+        </p:nvPicPr>
+        <p:blipFill>
+          <a:blip r:embed="rId1"/>
+          <a:stretch/>
+        </p:blipFill>
+        <p:spPr>
+          <a:xfrm>
+            <a:off x="432000" y="2284920"/>
+            <a:ext cx="810720" cy="810720"/>
+          </a:xfrm>
+          <a:prstGeom prst="rect">
+            <a:avLst/>
+          </a:prstGeom>
+          <a:ln>
+            <a:noFill/>
+          </a:ln>
+        </p:spPr>
+      </p:pic>
+      <p:pic>
+        <p:nvPicPr>
+          <p:cNvPr id="222" name="" descr=""/>
+          <p:cNvPicPr/>
+          <p:nvPr/>
+        </p:nvPicPr>
+        <p:blipFill>
+          <a:blip r:embed="rId2"/>
+          <a:stretch/>
+        </p:blipFill>
+        <p:spPr>
+          <a:xfrm>
+            <a:off x="137160" y="3664800"/>
+            <a:ext cx="1374480" cy="1374480"/>
+          </a:xfrm>
+          <a:prstGeom prst="rect">
+            <a:avLst/>
+          </a:prstGeom>
+          <a:ln>
+            <a:noFill/>
+          </a:ln>
+        </p:spPr>
+      </p:pic>
+      <p:pic>
+        <p:nvPicPr>
+          <p:cNvPr id="223" name="" descr=""/>
+          <p:cNvPicPr/>
+          <p:nvPr/>
+        </p:nvPicPr>
+        <p:blipFill>
+          <a:blip r:embed="rId3"/>
+          <a:stretch/>
+        </p:blipFill>
+        <p:spPr>
+          <a:xfrm>
+            <a:off x="360000" y="5458320"/>
+            <a:ext cx="948960" cy="948960"/>
+          </a:xfrm>
+          <a:prstGeom prst="rect">
+            <a:avLst/>
+          </a:prstGeom>
+          <a:ln>
+            <a:noFill/>
+          </a:ln>
+        </p:spPr>
+      </p:pic>
+      <p:sp>
+        <p:nvSpPr>
+          <p:cNvPr id="224" name="CustomShape 2"/>
           <p:cNvSpPr/>
           <p:nvPr/>
         </p:nvSpPr>
         <p:spPr>
           <a:xfrm>
-            <a:off x="288000" y="2664000"/>
-            <a:ext cx="8351280" cy="3023640"/>
+            <a:off x="1368000" y="2559600"/>
+            <a:ext cx="7775640" cy="608040"/>
           </a:xfrm>
           <a:prstGeom prst="rect">
             <a:avLst/>
@@ -8457,24 +8350,107 @@
           <a:fontRef idx="minor"/>
         </p:style>
         <p:txBody>
-          <a:bodyPr lIns="90000" rIns="90000" tIns="91440" bIns="91440"/>
-          <a:p>
-            <a:pPr algn="ctr">
-              <a:lnSpc>
-                <a:spcPct val="100000"/>
-              </a:lnSpc>
-            </a:pPr>
+          <a:bodyPr lIns="90000" rIns="90000" tIns="45000" bIns="45000"/>
+          <a:p>
             <a:r>
-              <a:rPr b="0" lang="pt-BR" sz="3600" spc="-1" strike="noStrike">
+              <a:rPr b="1" lang="pt-BR" sz="1900" spc="-1" strike="noStrike">
                 <a:solidFill>
                   <a:srgbClr val="000000"/>
                 </a:solidFill>
-                <a:latin typeface="Arial"/>
-                <a:ea typeface="Lato"/>
+                <a:latin typeface="Courier New"/>
+                <a:ea typeface="DejaVu Sans"/>
               </a:rPr>
-              <a:t>Varia de roteador para roteador. Através do Setup deve ser realizada essa configuração.</a:t>
+              <a:t>setx _JAVA_OPTIONS -Djava.net.preferIPv4Stack=true</a:t>
             </a:r>
-            <a:endParaRPr b="0" lang="pt-BR" sz="3600" spc="-1" strike="noStrike">
+            <a:endParaRPr b="0" lang="pt-BR" sz="1900" spc="-1" strike="noStrike">
+              <a:latin typeface="Arial"/>
+            </a:endParaRPr>
+          </a:p>
+        </p:txBody>
+      </p:sp>
+      <p:sp>
+        <p:nvSpPr>
+          <p:cNvPr id="225" name="CustomShape 3"/>
+          <p:cNvSpPr/>
+          <p:nvPr/>
+        </p:nvSpPr>
+        <p:spPr>
+          <a:xfrm>
+            <a:off x="1368000" y="4104000"/>
+            <a:ext cx="7919640" cy="503640"/>
+          </a:xfrm>
+          <a:prstGeom prst="rect">
+            <a:avLst/>
+          </a:prstGeom>
+          <a:noFill/>
+          <a:ln>
+            <a:noFill/>
+          </a:ln>
+        </p:spPr>
+        <p:style>
+          <a:lnRef idx="0"/>
+          <a:fillRef idx="0"/>
+          <a:effectRef idx="0"/>
+          <a:fontRef idx="minor"/>
+        </p:style>
+        <p:txBody>
+          <a:bodyPr lIns="90000" rIns="90000" tIns="45000" bIns="45000"/>
+          <a:p>
+            <a:r>
+              <a:rPr b="1" lang="pt-BR" sz="1800" spc="-1" strike="noStrike">
+                <a:solidFill>
+                  <a:srgbClr val="000000"/>
+                </a:solidFill>
+                <a:latin typeface="Courier New"/>
+                <a:ea typeface="DejaVu Sans"/>
+              </a:rPr>
+              <a:t>export _JAVA_OPTIONS=”-Djava.net.preferIPv4Stack=true”</a:t>
+            </a:r>
+            <a:endParaRPr b="0" lang="pt-BR" sz="1800" spc="-1" strike="noStrike">
+              <a:latin typeface="Arial"/>
+            </a:endParaRPr>
+          </a:p>
+        </p:txBody>
+      </p:sp>
+      <p:sp>
+        <p:nvSpPr>
+          <p:cNvPr id="226" name="CustomShape 4"/>
+          <p:cNvSpPr/>
+          <p:nvPr/>
+        </p:nvSpPr>
+        <p:spPr>
+          <a:xfrm>
+            <a:off x="1368360" y="5688360"/>
+            <a:ext cx="7631280" cy="431280"/>
+          </a:xfrm>
+          <a:prstGeom prst="rect">
+            <a:avLst/>
+          </a:prstGeom>
+          <a:noFill/>
+          <a:ln>
+            <a:noFill/>
+          </a:ln>
+        </p:spPr>
+        <p:style>
+          <a:lnRef idx="0"/>
+          <a:fillRef idx="0"/>
+          <a:effectRef idx="0"/>
+          <a:fontRef idx="minor"/>
+        </p:style>
+        <p:txBody>
+          <a:bodyPr lIns="90000" rIns="90000" tIns="45000" bIns="45000"/>
+          <a:p>
+            <a:r>
+              <a:rPr b="1" lang="pt-BR" sz="1800" spc="-1" strike="noStrike">
+                <a:solidFill>
+                  <a:srgbClr val="000000"/>
+                </a:solidFill>
+                <a:latin typeface="Courier New"/>
+                <a:ea typeface="DejaVu Sans"/>
+              </a:rPr>
+              <a:t>System.setProperty("java.net.preferIPv4Stack","true");</a:t>
+            </a:r>
+            <a:endParaRPr b="0" lang="pt-BR" sz="1800" spc="-1" strike="noStrike">
               <a:latin typeface="Arial"/>
             </a:endParaRPr>
           </a:p>
@@ -8537,8 +8513,8 @@
         </p:nvSpPr>
         <p:spPr>
           <a:xfrm>
-            <a:off x="651960" y="3096000"/>
-            <a:ext cx="7771320" cy="1545480"/>
+            <a:off x="199440" y="250200"/>
+            <a:ext cx="8799840" cy="1045080"/>
           </a:xfrm>
           <a:prstGeom prst="rect">
             <a:avLst/>
@@ -8555,7 +8531,7 @@
           <a:fontRef idx="minor"/>
         </p:style>
         <p:txBody>
-          <a:bodyPr lIns="90000" rIns="90000" tIns="91440" bIns="91440" anchor="b"/>
+          <a:bodyPr lIns="90000" rIns="90000" tIns="91440" bIns="91440"/>
           <a:p>
             <a:pPr algn="ctr">
               <a:lnSpc>
@@ -8563,27 +8539,65 @@
               </a:lnSpc>
             </a:pPr>
             <a:r>
-              <a:rPr b="0" lang="pt-BR" sz="7200" spc="-1" strike="noStrike">
-                <a:solidFill>
-                  <a:srgbClr val="7ecefd"/>
-                </a:solidFill>
-                <a:latin typeface="Raleway"/>
-                <a:ea typeface="Raleway"/>
-              </a:rPr>
-              <a:t>5.</a:t>
-            </a:r>
-            <a:br/>
-            <a:r>
               <a:rPr b="0" lang="pt-BR" sz="4800" spc="-1" strike="noStrike">
                 <a:solidFill>
-                  <a:srgbClr val="ffffff"/>
+                  <a:srgbClr val="2185c5"/>
                 </a:solidFill>
-                <a:latin typeface="Raleway"/>
-                <a:ea typeface="Raleway"/>
+                <a:latin typeface="Lato"/>
+                <a:ea typeface="Lato"/>
               </a:rPr>
-              <a:t>A APLICAÇÃO</a:t>
+              <a:t>Habilitar IGMP no roteador</a:t>
             </a:r>
             <a:endParaRPr b="0" lang="pt-BR" sz="4800" spc="-1" strike="noStrike">
+              <a:latin typeface="Arial"/>
+            </a:endParaRPr>
+          </a:p>
+        </p:txBody>
+      </p:sp>
+      <p:sp>
+        <p:nvSpPr>
+          <p:cNvPr id="228" name="CustomShape 2"/>
+          <p:cNvSpPr/>
+          <p:nvPr/>
+        </p:nvSpPr>
+        <p:spPr>
+          <a:xfrm>
+            <a:off x="288000" y="2664000"/>
+            <a:ext cx="8350920" cy="3023280"/>
+          </a:xfrm>
+          <a:prstGeom prst="rect">
+            <a:avLst/>
+          </a:prstGeom>
+          <a:noFill/>
+          <a:ln>
+            <a:noFill/>
+          </a:ln>
+        </p:spPr>
+        <p:style>
+          <a:lnRef idx="0"/>
+          <a:fillRef idx="0"/>
+          <a:effectRef idx="0"/>
+          <a:fontRef idx="minor"/>
+        </p:style>
+        <p:txBody>
+          <a:bodyPr lIns="90000" rIns="90000" tIns="91440" bIns="91440"/>
+          <a:p>
+            <a:pPr algn="ctr">
+              <a:lnSpc>
+                <a:spcPct val="100000"/>
+              </a:lnSpc>
+            </a:pPr>
+            <a:r>
+              <a:rPr b="0" lang="pt-BR" sz="3600" spc="-1" strike="noStrike">
+                <a:solidFill>
+                  <a:srgbClr val="000000"/>
+                </a:solidFill>
+                <a:latin typeface="Arial"/>
+                <a:ea typeface="Lato"/>
+              </a:rPr>
+              <a:t>Varia de roteador para roteador. Através do Setup deve ser realizada essa configuração.</a:t>
+            </a:r>
+            <a:endParaRPr b="0" lang="pt-BR" sz="3600" spc="-1" strike="noStrike">
               <a:latin typeface="Arial"/>
             </a:endParaRPr>
           </a:p>
@@ -8647,7 +8661,7 @@
         <p:spPr>
           <a:xfrm>
             <a:off x="685800" y="2736000"/>
-            <a:ext cx="7771320" cy="1545480"/>
+            <a:ext cx="7770960" cy="1545120"/>
           </a:xfrm>
           <a:prstGeom prst="rect">
             <a:avLst/>
@@ -8749,14 +8763,14 @@
       </p:grpSpPr>
       <p:sp>
         <p:nvSpPr>
-          <p:cNvPr id="228" name="CustomShape 1"/>
+          <p:cNvPr id="229" name="CustomShape 1"/>
           <p:cNvSpPr/>
           <p:nvPr/>
         </p:nvSpPr>
         <p:spPr>
           <a:xfrm>
-            <a:off x="415080" y="2016000"/>
-            <a:ext cx="8296200" cy="3527640"/>
+            <a:off x="651960" y="3096000"/>
+            <a:ext cx="7770960" cy="1545120"/>
           </a:xfrm>
           <a:prstGeom prst="rect">
             <a:avLst/>
@@ -8773,9 +8787,118 @@
           <a:fontRef idx="minor"/>
         </p:style>
         <p:txBody>
+          <a:bodyPr lIns="90000" rIns="90000" tIns="91440" bIns="91440" anchor="b"/>
+          <a:p>
+            <a:pPr algn="ctr">
+              <a:lnSpc>
+                <a:spcPct val="100000"/>
+              </a:lnSpc>
+            </a:pPr>
+            <a:r>
+              <a:rPr b="0" lang="pt-BR" sz="7200" spc="-1" strike="noStrike">
+                <a:solidFill>
+                  <a:srgbClr val="7ecefd"/>
+                </a:solidFill>
+                <a:latin typeface="Raleway"/>
+                <a:ea typeface="Raleway"/>
+              </a:rPr>
+              <a:t>5.</a:t>
+            </a:r>
+            <a:br/>
+            <a:r>
+              <a:rPr b="0" lang="pt-BR" sz="4800" spc="-1" strike="noStrike">
+                <a:solidFill>
+                  <a:srgbClr val="ffffff"/>
+                </a:solidFill>
+                <a:latin typeface="Raleway"/>
+                <a:ea typeface="Raleway"/>
+              </a:rPr>
+              <a:t>A APLICAÇÃO</a:t>
+            </a:r>
+            <a:endParaRPr b="0" lang="pt-BR" sz="4800" spc="-1" strike="noStrike">
+              <a:latin typeface="Arial"/>
+            </a:endParaRPr>
+          </a:p>
+        </p:txBody>
+      </p:sp>
+    </p:spTree>
+  </p:cSld>
+  <p:timing>
+    <p:tnLst>
+      <p:par>
+        <p:cTn id="39" dur="indefinite" restart="never" nodeType="tmRoot">
+          <p:childTnLst>
+            <p:seq>
+              <p:cTn id="40" nodeType="mainSeq"/>
+              <p:prevCondLst>
+                <p:cond delay="0" evt="onPrev">
+                  <p:tgtEl>
+                    <p:sldTgt/>
+                  </p:tgtEl>
+                </p:cond>
+              </p:prevCondLst>
+              <p:nextCondLst>
+                <p:cond delay="0" evt="onNext">
+                  <p:tgtEl>
+                    <p:sldTgt/>
+                  </p:tgtEl>
+                </p:cond>
+              </p:nextCondLst>
+            </p:seq>
+          </p:childTnLst>
+        </p:cTn>
+      </p:par>
+    </p:tnLst>
+  </p:timing>
+</p:sld>
+</file>
+
+<file path=ppt/slides/slide21.xml><?xml version="1.0" encoding="utf-8"?>
+<p:sld xmlns:a="http://schemas.openxmlformats.org/drawingml/2006/main" xmlns:p="http://schemas.openxmlformats.org/presentationml/2006/main" xmlns:r="http://schemas.openxmlformats.org/officeDocument/2006/relationships" xmlns:p14="http://schemas.microsoft.com/office/powerpoint/2010/main" xmlns:p15="http://schemas.microsoft.com/office/powerpoint/2012/main" xmlns:mc="http://schemas.openxmlformats.org/markup-compatibility/2006">
+  <p:cSld>
+    <p:spTree>
+      <p:nvGrpSpPr>
+        <p:cNvPr id="1" name=""/>
+        <p:cNvGrpSpPr/>
+        <p:nvPr/>
+      </p:nvGrpSpPr>
+      <p:grpSpPr>
+        <a:xfrm>
+          <a:off x="0" y="0"/>
+          <a:ext cx="0" cy="0"/>
+          <a:chOff x="0" y="0"/>
+          <a:chExt cx="0" cy="0"/>
+        </a:xfrm>
+      </p:grpSpPr>
+      <p:sp>
+        <p:nvSpPr>
+          <p:cNvPr id="230" name="CustomShape 1"/>
+          <p:cNvSpPr/>
+          <p:nvPr/>
+        </p:nvSpPr>
+        <p:spPr>
+          <a:xfrm>
+            <a:off x="415080" y="2016000"/>
+            <a:ext cx="8295840" cy="3527280"/>
+          </a:xfrm>
+          <a:prstGeom prst="rect">
+            <a:avLst/>
+          </a:prstGeom>
+          <a:noFill/>
+          <a:ln>
+            <a:noFill/>
+          </a:ln>
+        </p:spPr>
+        <p:style>
+          <a:lnRef idx="0"/>
+          <a:fillRef idx="0"/>
+          <a:effectRef idx="0"/>
+          <a:fontRef idx="minor"/>
+        </p:style>
+        <p:txBody>
           <a:bodyPr lIns="90000" rIns="90000" tIns="91440" bIns="91440"/>
           <a:p>
-            <a:pPr marL="216000" indent="-215640">
+            <a:pPr marL="216000" indent="-215280">
               <a:lnSpc>
                 <a:spcPct val="100000"/>
               </a:lnSpc>
@@ -8810,7 +8933,7 @@
             </a:endParaRPr>
           </a:p>
           <a:p>
-            <a:pPr marL="216000" indent="-215640">
+            <a:pPr marL="216000" indent="-215280">
               <a:lnSpc>
                 <a:spcPct val="100000"/>
               </a:lnSpc>
@@ -8838,14 +8961,14 @@
       </p:sp>
       <p:sp>
         <p:nvSpPr>
-          <p:cNvPr id="229" name="CustomShape 2"/>
+          <p:cNvPr id="231" name="CustomShape 2"/>
           <p:cNvSpPr/>
           <p:nvPr/>
         </p:nvSpPr>
         <p:spPr>
           <a:xfrm>
             <a:off x="504000" y="506880"/>
-            <a:ext cx="3960000" cy="861120"/>
+            <a:ext cx="3959640" cy="860760"/>
           </a:xfrm>
           <a:prstGeom prst="rect">
             <a:avLst/>
@@ -8890,10 +9013,10 @@
   <p:timing>
     <p:tnLst>
       <p:par>
-        <p:cTn id="39" dur="indefinite" restart="never" nodeType="tmRoot">
+        <p:cTn id="41" dur="indefinite" restart="never" nodeType="tmRoot">
           <p:childTnLst>
             <p:seq>
-              <p:cTn id="40" nodeType="mainSeq"/>
+              <p:cTn id="42" nodeType="mainSeq"/>
               <p:prevCondLst>
                 <p:cond delay="0" evt="onPrev">
                   <p:tgtEl>
@@ -8943,7 +9066,7 @@
         <p:spPr>
           <a:xfrm>
             <a:off x="1711080" y="465840"/>
-            <a:ext cx="5560200" cy="1045440"/>
+            <a:ext cx="5559840" cy="1045080"/>
           </a:xfrm>
           <a:prstGeom prst="rect">
             <a:avLst/>
@@ -8992,7 +9115,7 @@
         <p:spPr>
           <a:xfrm>
             <a:off x="415080" y="1512000"/>
-            <a:ext cx="8296200" cy="4751280"/>
+            <a:ext cx="8295840" cy="4750920"/>
           </a:xfrm>
           <a:prstGeom prst="rect">
             <a:avLst/>
@@ -9100,7 +9223,7 @@
         <p:spPr>
           <a:xfrm>
             <a:off x="1711080" y="465840"/>
-            <a:ext cx="6496200" cy="1045440"/>
+            <a:ext cx="6495840" cy="1045080"/>
           </a:xfrm>
           <a:prstGeom prst="rect">
             <a:avLst/>
@@ -9153,7 +9276,7 @@
         <p:spPr>
           <a:xfrm>
             <a:off x="6552000" y="4248000"/>
-            <a:ext cx="1437480" cy="1437480"/>
+            <a:ext cx="1437120" cy="1437120"/>
           </a:xfrm>
           <a:prstGeom prst="rect">
             <a:avLst/>
@@ -9176,7 +9299,7 @@
         <p:spPr>
           <a:xfrm>
             <a:off x="1440000" y="4392000"/>
-            <a:ext cx="1655280" cy="1655280"/>
+            <a:ext cx="1654920" cy="1654920"/>
           </a:xfrm>
           <a:prstGeom prst="rect">
             <a:avLst/>
@@ -9199,7 +9322,7 @@
         <p:spPr>
           <a:xfrm>
             <a:off x="4104000" y="1642320"/>
-            <a:ext cx="1596960" cy="1596960"/>
+            <a:ext cx="1596600" cy="1596600"/>
           </a:xfrm>
           <a:prstGeom prst="rect">
             <a:avLst/>
@@ -9306,7 +9429,7 @@
         <p:spPr>
           <a:xfrm>
             <a:off x="5956560" y="3312000"/>
-            <a:ext cx="666720" cy="666720"/>
+            <a:ext cx="666360" cy="666360"/>
           </a:xfrm>
           <a:prstGeom prst="rect">
             <a:avLst/>
@@ -9329,7 +9452,7 @@
         <p:spPr>
           <a:xfrm>
             <a:off x="2880000" y="3240000"/>
-            <a:ext cx="666720" cy="666720"/>
+            <a:ext cx="666360" cy="666360"/>
           </a:xfrm>
           <a:prstGeom prst="rect">
             <a:avLst/>
@@ -9352,7 +9475,7 @@
         <p:spPr>
           <a:xfrm>
             <a:off x="4464000" y="4804560"/>
-            <a:ext cx="666720" cy="666720"/>
+            <a:ext cx="666360" cy="666360"/>
           </a:xfrm>
           <a:prstGeom prst="rect">
             <a:avLst/>
@@ -9371,7 +9494,7 @@
         <p:spPr>
           <a:xfrm>
             <a:off x="4104000" y="3240000"/>
-            <a:ext cx="1511280" cy="345600"/>
+            <a:ext cx="1510920" cy="345240"/>
           </a:xfrm>
           <a:prstGeom prst="rect">
             <a:avLst/>
@@ -9415,7 +9538,7 @@
         <p:spPr>
           <a:xfrm>
             <a:off x="1152000" y="6048000"/>
-            <a:ext cx="2087280" cy="601560"/>
+            <a:ext cx="2086920" cy="601200"/>
           </a:xfrm>
           <a:prstGeom prst="rect">
             <a:avLst/>
@@ -9459,7 +9582,7 @@
         <p:spPr>
           <a:xfrm>
             <a:off x="6336000" y="5877720"/>
-            <a:ext cx="2087280" cy="575280"/>
+            <a:ext cx="2086920" cy="574920"/>
           </a:xfrm>
           <a:prstGeom prst="rect">
             <a:avLst/>
@@ -9552,7 +9675,7 @@
         <p:spPr>
           <a:xfrm>
             <a:off x="1711080" y="465840"/>
-            <a:ext cx="6496200" cy="1045440"/>
+            <a:ext cx="6495840" cy="1045080"/>
           </a:xfrm>
           <a:prstGeom prst="rect">
             <a:avLst/>
@@ -9605,7 +9728,7 @@
         <p:spPr>
           <a:xfrm>
             <a:off x="6552000" y="4248000"/>
-            <a:ext cx="1437480" cy="1437480"/>
+            <a:ext cx="1437120" cy="1437120"/>
           </a:xfrm>
           <a:prstGeom prst="rect">
             <a:avLst/>
@@ -9628,7 +9751,7 @@
         <p:spPr>
           <a:xfrm>
             <a:off x="1440000" y="4392000"/>
-            <a:ext cx="1655280" cy="1655280"/>
+            <a:ext cx="1654920" cy="1654920"/>
           </a:xfrm>
           <a:prstGeom prst="rect">
             <a:avLst/>
@@ -9651,7 +9774,7 @@
         <p:spPr>
           <a:xfrm>
             <a:off x="4104000" y="1642320"/>
-            <a:ext cx="1596960" cy="1596960"/>
+            <a:ext cx="1596600" cy="1596600"/>
           </a:xfrm>
           <a:prstGeom prst="rect">
             <a:avLst/>
@@ -9670,7 +9793,7 @@
         <p:spPr>
           <a:xfrm>
             <a:off x="4104000" y="3240000"/>
-            <a:ext cx="1511280" cy="345600"/>
+            <a:ext cx="1510920" cy="345240"/>
           </a:xfrm>
           <a:prstGeom prst="rect">
             <a:avLst/>
@@ -9714,7 +9837,7 @@
         <p:spPr>
           <a:xfrm>
             <a:off x="1152000" y="6048000"/>
-            <a:ext cx="2087280" cy="601560"/>
+            <a:ext cx="2086920" cy="601200"/>
           </a:xfrm>
           <a:prstGeom prst="rect">
             <a:avLst/>
@@ -9758,7 +9881,7 @@
         <p:spPr>
           <a:xfrm>
             <a:off x="6336000" y="5877720"/>
-            <a:ext cx="2087280" cy="575280"/>
+            <a:ext cx="2086920" cy="574920"/>
           </a:xfrm>
           <a:prstGeom prst="rect">
             <a:avLst/>
@@ -9890,7 +10013,7 @@
         <p:spPr>
           <a:xfrm>
             <a:off x="4464000" y="4320000"/>
-            <a:ext cx="876960" cy="876960"/>
+            <a:ext cx="876600" cy="876600"/>
           </a:xfrm>
           <a:prstGeom prst="rect">
             <a:avLst/>
@@ -9958,7 +10081,7 @@
         <p:spPr>
           <a:xfrm>
             <a:off x="651960" y="3096000"/>
-            <a:ext cx="7771320" cy="1545480"/>
+            <a:ext cx="7770960" cy="1545120"/>
           </a:xfrm>
           <a:prstGeom prst="rect">
             <a:avLst/>
@@ -10067,7 +10190,7 @@
         <p:spPr>
           <a:xfrm>
             <a:off x="792000" y="393840"/>
-            <a:ext cx="7847280" cy="1045440"/>
+            <a:ext cx="7846920" cy="1045080"/>
           </a:xfrm>
           <a:prstGeom prst="rect">
             <a:avLst/>
@@ -10116,7 +10239,7 @@
         <p:spPr>
           <a:xfrm>
             <a:off x="441720" y="1767960"/>
-            <a:ext cx="8296200" cy="3311280"/>
+            <a:ext cx="8295840" cy="3310920"/>
           </a:xfrm>
           <a:prstGeom prst="rect">
             <a:avLst/>
@@ -10135,7 +10258,7 @@
         <p:txBody>
           <a:bodyPr lIns="90000" rIns="90000" tIns="91440" bIns="91440"/>
           <a:p>
-            <a:pPr marL="216000" indent="-215640">
+            <a:pPr marL="216000" indent="-215280">
               <a:lnSpc>
                 <a:spcPct val="100000"/>
               </a:lnSpc>
@@ -10170,7 +10293,7 @@
             </a:endParaRPr>
           </a:p>
           <a:p>
-            <a:pPr marL="216000" indent="-215640">
+            <a:pPr marL="216000" indent="-215280">
               <a:lnSpc>
                 <a:spcPct val="100000"/>
               </a:lnSpc>
@@ -10205,7 +10328,7 @@
             </a:endParaRPr>
           </a:p>
           <a:p>
-            <a:pPr marL="216000" indent="-215640">
+            <a:pPr marL="216000" indent="-215280">
               <a:lnSpc>
                 <a:spcPct val="100000"/>
               </a:lnSpc>
@@ -10240,7 +10363,7 @@
             </a:endParaRPr>
           </a:p>
           <a:p>
-            <a:pPr marL="216000" indent="-215640">
+            <a:pPr marL="216000" indent="-215280">
               <a:lnSpc>
                 <a:spcPct val="100000"/>
               </a:lnSpc>
@@ -10324,7 +10447,7 @@
         <p:spPr>
           <a:xfrm>
             <a:off x="792000" y="393840"/>
-            <a:ext cx="7847280" cy="1045440"/>
+            <a:ext cx="7846920" cy="1045080"/>
           </a:xfrm>
           <a:prstGeom prst="rect">
             <a:avLst/>
@@ -10373,7 +10496,7 @@
         <p:spPr>
           <a:xfrm>
             <a:off x="441720" y="1767960"/>
-            <a:ext cx="8296200" cy="3311280"/>
+            <a:ext cx="8295840" cy="3310920"/>
           </a:xfrm>
           <a:prstGeom prst="rect">
             <a:avLst/>
@@ -10392,7 +10515,7 @@
         <p:txBody>
           <a:bodyPr lIns="90000" rIns="90000" tIns="91440" bIns="91440"/>
           <a:p>
-            <a:pPr marL="216000" indent="-215640">
+            <a:pPr marL="216000" indent="-215280">
               <a:lnSpc>
                 <a:spcPct val="100000"/>
               </a:lnSpc>
@@ -10427,7 +10550,7 @@
             </a:endParaRPr>
           </a:p>
           <a:p>
-            <a:pPr marL="216000" indent="-215640">
+            <a:pPr marL="216000" indent="-215280">
               <a:lnSpc>
                 <a:spcPct val="100000"/>
               </a:lnSpc>
@@ -10462,7 +10585,7 @@
             </a:endParaRPr>
           </a:p>
           <a:p>
-            <a:pPr marL="216000" indent="-215640">
+            <a:pPr marL="216000" indent="-215280">
               <a:lnSpc>
                 <a:spcPct val="100000"/>
               </a:lnSpc>
@@ -10497,7 +10620,7 @@
             </a:endParaRPr>
           </a:p>
           <a:p>
-            <a:pPr marL="216000" indent="-215640">
+            <a:pPr marL="216000" indent="-215280">
               <a:lnSpc>
                 <a:spcPct val="100000"/>
               </a:lnSpc>
@@ -10581,7 +10704,7 @@
         <p:spPr>
           <a:xfrm>
             <a:off x="651960" y="3096000"/>
-            <a:ext cx="7771320" cy="1545480"/>
+            <a:ext cx="7770960" cy="1545120"/>
           </a:xfrm>
           <a:prstGeom prst="rect">
             <a:avLst/>
